--- a/Документация/157_2.pptx
+++ b/Документация/157_2.pptx
@@ -8,10 +8,11 @@
     <p:sldId id="256" r:id="rId2"/>
     <p:sldId id="257" r:id="rId3"/>
     <p:sldId id="265" r:id="rId4"/>
-    <p:sldId id="259" r:id="rId5"/>
-    <p:sldId id="262" r:id="rId6"/>
-    <p:sldId id="258" r:id="rId7"/>
-    <p:sldId id="264" r:id="rId8"/>
+    <p:sldId id="266" r:id="rId5"/>
+    <p:sldId id="259" r:id="rId6"/>
+    <p:sldId id="262" r:id="rId7"/>
+    <p:sldId id="258" r:id="rId8"/>
+    <p:sldId id="264" r:id="rId9"/>
   </p:sldIdLst>
   <p:sldSz cx="12192000" cy="6858000"/>
   <p:notesSz cx="6858000" cy="9144000"/>
@@ -140,7 +141,7 @@
           <p:cNvPr id="2" name="Title 1">
             <a:extLst>
               <a:ext uri="{FF2B5EF4-FFF2-40B4-BE49-F238E27FC236}">
-                <a16:creationId xmlns:a16="http://schemas.microsoft.com/office/drawing/2014/main" id="{0B68CB7A-DB7C-40F9-BC41-8E191E591DDD}"/>
+                <a16:creationId xmlns:a16="http://schemas.microsoft.com/office/drawing/2014/main" xmlns="" id="{0B68CB7A-DB7C-40F9-BC41-8E191E591DDD}"/>
               </a:ext>
             </a:extLst>
           </p:cNvPr>
@@ -177,7 +178,7 @@
           <p:cNvPr id="3" name="Subtitle 2">
             <a:extLst>
               <a:ext uri="{FF2B5EF4-FFF2-40B4-BE49-F238E27FC236}">
-                <a16:creationId xmlns:a16="http://schemas.microsoft.com/office/drawing/2014/main" id="{8C373110-0A8A-4A27-B30B-51B11FBD6386}"/>
+                <a16:creationId xmlns:a16="http://schemas.microsoft.com/office/drawing/2014/main" xmlns="" id="{8C373110-0A8A-4A27-B30B-51B11FBD6386}"/>
               </a:ext>
             </a:extLst>
           </p:cNvPr>
@@ -247,7 +248,7 @@
           <p:cNvPr id="4" name="Date Placeholder 3">
             <a:extLst>
               <a:ext uri="{FF2B5EF4-FFF2-40B4-BE49-F238E27FC236}">
-                <a16:creationId xmlns:a16="http://schemas.microsoft.com/office/drawing/2014/main" id="{B771E0C1-DB6E-4932-8505-121F47A5A812}"/>
+                <a16:creationId xmlns:a16="http://schemas.microsoft.com/office/drawing/2014/main" xmlns="" id="{B771E0C1-DB6E-4932-8505-121F47A5A812}"/>
               </a:ext>
             </a:extLst>
           </p:cNvPr>
@@ -265,7 +266,7 @@
           <a:p>
             <a:fld id="{3DDB7FF3-D096-4152-9B8E-6904A717DEF4}" type="datetimeFigureOut">
               <a:rPr lang="en-US" smtClean="0"/>
-              <a:t>3/11/2022</a:t>
+              <a:t>5/11/2022</a:t>
             </a:fld>
             <a:endParaRPr lang="en-US" dirty="0"/>
           </a:p>
@@ -276,7 +277,7 @@
           <p:cNvPr id="5" name="Footer Placeholder 4">
             <a:extLst>
               <a:ext uri="{FF2B5EF4-FFF2-40B4-BE49-F238E27FC236}">
-                <a16:creationId xmlns:a16="http://schemas.microsoft.com/office/drawing/2014/main" id="{23335C32-B3F6-4CA9-8BFC-03874698E9CB}"/>
+                <a16:creationId xmlns:a16="http://schemas.microsoft.com/office/drawing/2014/main" xmlns="" id="{23335C32-B3F6-4CA9-8BFC-03874698E9CB}"/>
               </a:ext>
             </a:extLst>
           </p:cNvPr>
@@ -301,7 +302,7 @@
           <p:cNvPr id="6" name="Slide Number Placeholder 5">
             <a:extLst>
               <a:ext uri="{FF2B5EF4-FFF2-40B4-BE49-F238E27FC236}">
-                <a16:creationId xmlns:a16="http://schemas.microsoft.com/office/drawing/2014/main" id="{AEB7C9AF-73AF-49B1-8F26-74B11A233B27}"/>
+                <a16:creationId xmlns:a16="http://schemas.microsoft.com/office/drawing/2014/main" xmlns="" id="{AEB7C9AF-73AF-49B1-8F26-74B11A233B27}"/>
               </a:ext>
             </a:extLst>
           </p:cNvPr>
@@ -360,7 +361,7 @@
           <p:cNvPr id="2" name="Title 1">
             <a:extLst>
               <a:ext uri="{FF2B5EF4-FFF2-40B4-BE49-F238E27FC236}">
-                <a16:creationId xmlns:a16="http://schemas.microsoft.com/office/drawing/2014/main" id="{20863F8A-B5E0-4434-9E33-07FE46BEBD5D}"/>
+                <a16:creationId xmlns:a16="http://schemas.microsoft.com/office/drawing/2014/main" xmlns="" id="{20863F8A-B5E0-4434-9E33-07FE46BEBD5D}"/>
               </a:ext>
             </a:extLst>
           </p:cNvPr>
@@ -388,7 +389,7 @@
           <p:cNvPr id="3" name="Vertical Text Placeholder 2">
             <a:extLst>
               <a:ext uri="{FF2B5EF4-FFF2-40B4-BE49-F238E27FC236}">
-                <a16:creationId xmlns:a16="http://schemas.microsoft.com/office/drawing/2014/main" id="{0235B86F-4B51-4FDD-98A7-2F831DED1157}"/>
+                <a16:creationId xmlns:a16="http://schemas.microsoft.com/office/drawing/2014/main" xmlns="" id="{0235B86F-4B51-4FDD-98A7-2F831DED1157}"/>
               </a:ext>
             </a:extLst>
           </p:cNvPr>
@@ -445,7 +446,7 @@
           <p:cNvPr id="4" name="Date Placeholder 3">
             <a:extLst>
               <a:ext uri="{FF2B5EF4-FFF2-40B4-BE49-F238E27FC236}">
-                <a16:creationId xmlns:a16="http://schemas.microsoft.com/office/drawing/2014/main" id="{C74149D6-5D54-4158-B570-5CE85D39F312}"/>
+                <a16:creationId xmlns:a16="http://schemas.microsoft.com/office/drawing/2014/main" xmlns="" id="{C74149D6-5D54-4158-B570-5CE85D39F312}"/>
               </a:ext>
             </a:extLst>
           </p:cNvPr>
@@ -463,7 +464,7 @@
           <a:p>
             <a:fld id="{3DDB7FF3-D096-4152-9B8E-6904A717DEF4}" type="datetimeFigureOut">
               <a:rPr lang="en-US" smtClean="0"/>
-              <a:t>3/11/2022</a:t>
+              <a:t>5/11/2022</a:t>
             </a:fld>
             <a:endParaRPr lang="en-US" dirty="0"/>
           </a:p>
@@ -474,7 +475,7 @@
           <p:cNvPr id="5" name="Footer Placeholder 4">
             <a:extLst>
               <a:ext uri="{FF2B5EF4-FFF2-40B4-BE49-F238E27FC236}">
-                <a16:creationId xmlns:a16="http://schemas.microsoft.com/office/drawing/2014/main" id="{7B29755A-98DC-414D-B106-6213BA4B545B}"/>
+                <a16:creationId xmlns:a16="http://schemas.microsoft.com/office/drawing/2014/main" xmlns="" id="{7B29755A-98DC-414D-B106-6213BA4B545B}"/>
               </a:ext>
             </a:extLst>
           </p:cNvPr>
@@ -499,7 +500,7 @@
           <p:cNvPr id="6" name="Slide Number Placeholder 5">
             <a:extLst>
               <a:ext uri="{FF2B5EF4-FFF2-40B4-BE49-F238E27FC236}">
-                <a16:creationId xmlns:a16="http://schemas.microsoft.com/office/drawing/2014/main" id="{F223D0B3-0C47-40B2-B2A8-915FCA88E102}"/>
+                <a16:creationId xmlns:a16="http://schemas.microsoft.com/office/drawing/2014/main" xmlns="" id="{F223D0B3-0C47-40B2-B2A8-915FCA88E102}"/>
               </a:ext>
             </a:extLst>
           </p:cNvPr>
@@ -558,7 +559,7 @@
           <p:cNvPr id="2" name="Vertical Title 1">
             <a:extLst>
               <a:ext uri="{FF2B5EF4-FFF2-40B4-BE49-F238E27FC236}">
-                <a16:creationId xmlns:a16="http://schemas.microsoft.com/office/drawing/2014/main" id="{3B4775A2-F868-4E0B-9D8A-7E1306AE8596}"/>
+                <a16:creationId xmlns:a16="http://schemas.microsoft.com/office/drawing/2014/main" xmlns="" id="{3B4775A2-F868-4E0B-9D8A-7E1306AE8596}"/>
               </a:ext>
             </a:extLst>
           </p:cNvPr>
@@ -591,7 +592,7 @@
           <p:cNvPr id="3" name="Vertical Text Placeholder 2">
             <a:extLst>
               <a:ext uri="{FF2B5EF4-FFF2-40B4-BE49-F238E27FC236}">
-                <a16:creationId xmlns:a16="http://schemas.microsoft.com/office/drawing/2014/main" id="{41871879-45AD-408E-949A-D820B57121B3}"/>
+                <a16:creationId xmlns:a16="http://schemas.microsoft.com/office/drawing/2014/main" xmlns="" id="{41871879-45AD-408E-949A-D820B57121B3}"/>
               </a:ext>
             </a:extLst>
           </p:cNvPr>
@@ -653,7 +654,7 @@
           <p:cNvPr id="4" name="Date Placeholder 3">
             <a:extLst>
               <a:ext uri="{FF2B5EF4-FFF2-40B4-BE49-F238E27FC236}">
-                <a16:creationId xmlns:a16="http://schemas.microsoft.com/office/drawing/2014/main" id="{24747470-1466-4220-B904-7C45431980B1}"/>
+                <a16:creationId xmlns:a16="http://schemas.microsoft.com/office/drawing/2014/main" xmlns="" id="{24747470-1466-4220-B904-7C45431980B1}"/>
               </a:ext>
             </a:extLst>
           </p:cNvPr>
@@ -671,7 +672,7 @@
           <a:p>
             <a:fld id="{3DDB7FF3-D096-4152-9B8E-6904A717DEF4}" type="datetimeFigureOut">
               <a:rPr lang="en-US" smtClean="0"/>
-              <a:t>3/11/2022</a:t>
+              <a:t>5/11/2022</a:t>
             </a:fld>
             <a:endParaRPr lang="en-US" dirty="0"/>
           </a:p>
@@ -682,7 +683,7 @@
           <p:cNvPr id="5" name="Footer Placeholder 4">
             <a:extLst>
               <a:ext uri="{FF2B5EF4-FFF2-40B4-BE49-F238E27FC236}">
-                <a16:creationId xmlns:a16="http://schemas.microsoft.com/office/drawing/2014/main" id="{AB82047A-EA4B-43DA-BE7F-20C6D3670361}"/>
+                <a16:creationId xmlns:a16="http://schemas.microsoft.com/office/drawing/2014/main" xmlns="" id="{AB82047A-EA4B-43DA-BE7F-20C6D3670361}"/>
               </a:ext>
             </a:extLst>
           </p:cNvPr>
@@ -707,7 +708,7 @@
           <p:cNvPr id="6" name="Slide Number Placeholder 5">
             <a:extLst>
               <a:ext uri="{FF2B5EF4-FFF2-40B4-BE49-F238E27FC236}">
-                <a16:creationId xmlns:a16="http://schemas.microsoft.com/office/drawing/2014/main" id="{E9F78E3E-F4C7-436D-9EAD-F782786ED92E}"/>
+                <a16:creationId xmlns:a16="http://schemas.microsoft.com/office/drawing/2014/main" xmlns="" id="{E9F78E3E-F4C7-436D-9EAD-F782786ED92E}"/>
               </a:ext>
             </a:extLst>
           </p:cNvPr>
@@ -766,7 +767,7 @@
           <p:cNvPr id="2" name="Title 1">
             <a:extLst>
               <a:ext uri="{FF2B5EF4-FFF2-40B4-BE49-F238E27FC236}">
-                <a16:creationId xmlns:a16="http://schemas.microsoft.com/office/drawing/2014/main" id="{CE2D125E-9396-432F-8290-E5DA5B04267E}"/>
+                <a16:creationId xmlns:a16="http://schemas.microsoft.com/office/drawing/2014/main" xmlns="" id="{CE2D125E-9396-432F-8290-E5DA5B04267E}"/>
               </a:ext>
             </a:extLst>
           </p:cNvPr>
@@ -822,7 +823,7 @@
           <p:cNvPr id="3" name="Content Placeholder 2">
             <a:extLst>
               <a:ext uri="{FF2B5EF4-FFF2-40B4-BE49-F238E27FC236}">
-                <a16:creationId xmlns:a16="http://schemas.microsoft.com/office/drawing/2014/main" id="{572506C2-8FA4-4FB3-B693-A87C035E2A13}"/>
+                <a16:creationId xmlns:a16="http://schemas.microsoft.com/office/drawing/2014/main" xmlns="" id="{572506C2-8FA4-4FB3-B693-A87C035E2A13}"/>
               </a:ext>
             </a:extLst>
           </p:cNvPr>
@@ -904,7 +905,7 @@
           <p:cNvPr id="4" name="Date Placeholder 3">
             <a:extLst>
               <a:ext uri="{FF2B5EF4-FFF2-40B4-BE49-F238E27FC236}">
-                <a16:creationId xmlns:a16="http://schemas.microsoft.com/office/drawing/2014/main" id="{EA609536-9C81-4AEB-8CEB-0E38EEAE88C2}"/>
+                <a16:creationId xmlns:a16="http://schemas.microsoft.com/office/drawing/2014/main" xmlns="" id="{EA609536-9C81-4AEB-8CEB-0E38EEAE88C2}"/>
               </a:ext>
             </a:extLst>
           </p:cNvPr>
@@ -922,7 +923,7 @@
           <a:p>
             <a:fld id="{3DDB7FF3-D096-4152-9B8E-6904A717DEF4}" type="datetimeFigureOut">
               <a:rPr lang="en-US" smtClean="0"/>
-              <a:t>3/11/2022</a:t>
+              <a:t>5/11/2022</a:t>
             </a:fld>
             <a:endParaRPr lang="en-US" dirty="0"/>
           </a:p>
@@ -933,7 +934,7 @@
           <p:cNvPr id="5" name="Footer Placeholder 4">
             <a:extLst>
               <a:ext uri="{FF2B5EF4-FFF2-40B4-BE49-F238E27FC236}">
-                <a16:creationId xmlns:a16="http://schemas.microsoft.com/office/drawing/2014/main" id="{02DE4499-E593-4205-BEF7-E005B3B29ECA}"/>
+                <a16:creationId xmlns:a16="http://schemas.microsoft.com/office/drawing/2014/main" xmlns="" id="{02DE4499-E593-4205-BEF7-E005B3B29ECA}"/>
               </a:ext>
             </a:extLst>
           </p:cNvPr>
@@ -958,7 +959,7 @@
           <p:cNvPr id="6" name="Slide Number Placeholder 5">
             <a:extLst>
               <a:ext uri="{FF2B5EF4-FFF2-40B4-BE49-F238E27FC236}">
-                <a16:creationId xmlns:a16="http://schemas.microsoft.com/office/drawing/2014/main" id="{85D3E04F-C8B2-4A85-90AA-C1D23AC880E3}"/>
+                <a16:creationId xmlns:a16="http://schemas.microsoft.com/office/drawing/2014/main" xmlns="" id="{85D3E04F-C8B2-4A85-90AA-C1D23AC880E3}"/>
               </a:ext>
             </a:extLst>
           </p:cNvPr>
@@ -987,7 +988,7 @@
           <p:cNvPr id="8" name="Picture 7" descr="Logo, company name&#10;&#10;Description automatically generated">
             <a:extLst>
               <a:ext uri="{FF2B5EF4-FFF2-40B4-BE49-F238E27FC236}">
-                <a16:creationId xmlns:a16="http://schemas.microsoft.com/office/drawing/2014/main" id="{296842D2-34AC-4DDC-965A-87557710F7D5}"/>
+                <a16:creationId xmlns:a16="http://schemas.microsoft.com/office/drawing/2014/main" xmlns="" id="{296842D2-34AC-4DDC-965A-87557710F7D5}"/>
               </a:ext>
             </a:extLst>
           </p:cNvPr>
@@ -1053,7 +1054,7 @@
           <p:cNvPr id="2" name="Title 1">
             <a:extLst>
               <a:ext uri="{FF2B5EF4-FFF2-40B4-BE49-F238E27FC236}">
-                <a16:creationId xmlns:a16="http://schemas.microsoft.com/office/drawing/2014/main" id="{37E818AE-E633-47F1-A748-F6D927F22F37}"/>
+                <a16:creationId xmlns:a16="http://schemas.microsoft.com/office/drawing/2014/main" xmlns="" id="{37E818AE-E633-47F1-A748-F6D927F22F37}"/>
               </a:ext>
             </a:extLst>
           </p:cNvPr>
@@ -1090,7 +1091,7 @@
           <p:cNvPr id="3" name="Text Placeholder 2">
             <a:extLst>
               <a:ext uri="{FF2B5EF4-FFF2-40B4-BE49-F238E27FC236}">
-                <a16:creationId xmlns:a16="http://schemas.microsoft.com/office/drawing/2014/main" id="{27863ABB-A0A9-4C39-BA20-684D43330ACF}"/>
+                <a16:creationId xmlns:a16="http://schemas.microsoft.com/office/drawing/2014/main" xmlns="" id="{27863ABB-A0A9-4C39-BA20-684D43330ACF}"/>
               </a:ext>
             </a:extLst>
           </p:cNvPr>
@@ -1215,7 +1216,7 @@
           <p:cNvPr id="4" name="Date Placeholder 3">
             <a:extLst>
               <a:ext uri="{FF2B5EF4-FFF2-40B4-BE49-F238E27FC236}">
-                <a16:creationId xmlns:a16="http://schemas.microsoft.com/office/drawing/2014/main" id="{EBA6114B-DA13-4260-95EA-AD216606E28D}"/>
+                <a16:creationId xmlns:a16="http://schemas.microsoft.com/office/drawing/2014/main" xmlns="" id="{EBA6114B-DA13-4260-95EA-AD216606E28D}"/>
               </a:ext>
             </a:extLst>
           </p:cNvPr>
@@ -1233,7 +1234,7 @@
           <a:p>
             <a:fld id="{3DDB7FF3-D096-4152-9B8E-6904A717DEF4}" type="datetimeFigureOut">
               <a:rPr lang="en-US" smtClean="0"/>
-              <a:t>3/11/2022</a:t>
+              <a:t>5/11/2022</a:t>
             </a:fld>
             <a:endParaRPr lang="en-US" dirty="0"/>
           </a:p>
@@ -1244,7 +1245,7 @@
           <p:cNvPr id="5" name="Footer Placeholder 4">
             <a:extLst>
               <a:ext uri="{FF2B5EF4-FFF2-40B4-BE49-F238E27FC236}">
-                <a16:creationId xmlns:a16="http://schemas.microsoft.com/office/drawing/2014/main" id="{3E0F4864-981B-4019-B372-CB4198835743}"/>
+                <a16:creationId xmlns:a16="http://schemas.microsoft.com/office/drawing/2014/main" xmlns="" id="{3E0F4864-981B-4019-B372-CB4198835743}"/>
               </a:ext>
             </a:extLst>
           </p:cNvPr>
@@ -1269,7 +1270,7 @@
           <p:cNvPr id="6" name="Slide Number Placeholder 5">
             <a:extLst>
               <a:ext uri="{FF2B5EF4-FFF2-40B4-BE49-F238E27FC236}">
-                <a16:creationId xmlns:a16="http://schemas.microsoft.com/office/drawing/2014/main" id="{B6DA519E-AB25-4DA0-B165-E4F201F8D638}"/>
+                <a16:creationId xmlns:a16="http://schemas.microsoft.com/office/drawing/2014/main" xmlns="" id="{B6DA519E-AB25-4DA0-B165-E4F201F8D638}"/>
               </a:ext>
             </a:extLst>
           </p:cNvPr>
@@ -1328,7 +1329,7 @@
           <p:cNvPr id="2" name="Title 1">
             <a:extLst>
               <a:ext uri="{FF2B5EF4-FFF2-40B4-BE49-F238E27FC236}">
-                <a16:creationId xmlns:a16="http://schemas.microsoft.com/office/drawing/2014/main" id="{75C3FEF9-C141-4507-AD3F-9296055FA1AC}"/>
+                <a16:creationId xmlns:a16="http://schemas.microsoft.com/office/drawing/2014/main" xmlns="" id="{75C3FEF9-C141-4507-AD3F-9296055FA1AC}"/>
               </a:ext>
             </a:extLst>
           </p:cNvPr>
@@ -1356,7 +1357,7 @@
           <p:cNvPr id="3" name="Content Placeholder 2">
             <a:extLst>
               <a:ext uri="{FF2B5EF4-FFF2-40B4-BE49-F238E27FC236}">
-                <a16:creationId xmlns:a16="http://schemas.microsoft.com/office/drawing/2014/main" id="{953C2DB5-AB1C-4946-99FE-33D400BEB596}"/>
+                <a16:creationId xmlns:a16="http://schemas.microsoft.com/office/drawing/2014/main" xmlns="" id="{953C2DB5-AB1C-4946-99FE-33D400BEB596}"/>
               </a:ext>
             </a:extLst>
           </p:cNvPr>
@@ -1418,7 +1419,7 @@
           <p:cNvPr id="4" name="Content Placeholder 3">
             <a:extLst>
               <a:ext uri="{FF2B5EF4-FFF2-40B4-BE49-F238E27FC236}">
-                <a16:creationId xmlns:a16="http://schemas.microsoft.com/office/drawing/2014/main" id="{631CE093-5356-4123-AB16-FC72BF42287F}"/>
+                <a16:creationId xmlns:a16="http://schemas.microsoft.com/office/drawing/2014/main" xmlns="" id="{631CE093-5356-4123-AB16-FC72BF42287F}"/>
               </a:ext>
             </a:extLst>
           </p:cNvPr>
@@ -1480,7 +1481,7 @@
           <p:cNvPr id="5" name="Date Placeholder 4">
             <a:extLst>
               <a:ext uri="{FF2B5EF4-FFF2-40B4-BE49-F238E27FC236}">
-                <a16:creationId xmlns:a16="http://schemas.microsoft.com/office/drawing/2014/main" id="{ACF4B2BE-639D-4A4B-A930-2D1BB0D1BF29}"/>
+                <a16:creationId xmlns:a16="http://schemas.microsoft.com/office/drawing/2014/main" xmlns="" id="{ACF4B2BE-639D-4A4B-A930-2D1BB0D1BF29}"/>
               </a:ext>
             </a:extLst>
           </p:cNvPr>
@@ -1498,7 +1499,7 @@
           <a:p>
             <a:fld id="{3DDB7FF3-D096-4152-9B8E-6904A717DEF4}" type="datetimeFigureOut">
               <a:rPr lang="en-US" smtClean="0"/>
-              <a:t>3/11/2022</a:t>
+              <a:t>5/11/2022</a:t>
             </a:fld>
             <a:endParaRPr lang="en-US" dirty="0"/>
           </a:p>
@@ -1509,7 +1510,7 @@
           <p:cNvPr id="6" name="Footer Placeholder 5">
             <a:extLst>
               <a:ext uri="{FF2B5EF4-FFF2-40B4-BE49-F238E27FC236}">
-                <a16:creationId xmlns:a16="http://schemas.microsoft.com/office/drawing/2014/main" id="{D1A1FE9A-32A2-4027-AD5A-82A50B51B99B}"/>
+                <a16:creationId xmlns:a16="http://schemas.microsoft.com/office/drawing/2014/main" xmlns="" id="{D1A1FE9A-32A2-4027-AD5A-82A50B51B99B}"/>
               </a:ext>
             </a:extLst>
           </p:cNvPr>
@@ -1534,7 +1535,7 @@
           <p:cNvPr id="7" name="Slide Number Placeholder 6">
             <a:extLst>
               <a:ext uri="{FF2B5EF4-FFF2-40B4-BE49-F238E27FC236}">
-                <a16:creationId xmlns:a16="http://schemas.microsoft.com/office/drawing/2014/main" id="{1C8B9C18-A19D-4167-A56B-A5FC441335D6}"/>
+                <a16:creationId xmlns:a16="http://schemas.microsoft.com/office/drawing/2014/main" xmlns="" id="{1C8B9C18-A19D-4167-A56B-A5FC441335D6}"/>
               </a:ext>
             </a:extLst>
           </p:cNvPr>
@@ -1593,7 +1594,7 @@
           <p:cNvPr id="2" name="Title 1">
             <a:extLst>
               <a:ext uri="{FF2B5EF4-FFF2-40B4-BE49-F238E27FC236}">
-                <a16:creationId xmlns:a16="http://schemas.microsoft.com/office/drawing/2014/main" id="{8AEA218A-28B3-4FE5-92FC-6A7DDEEDA67E}"/>
+                <a16:creationId xmlns:a16="http://schemas.microsoft.com/office/drawing/2014/main" xmlns="" id="{8AEA218A-28B3-4FE5-92FC-6A7DDEEDA67E}"/>
               </a:ext>
             </a:extLst>
           </p:cNvPr>
@@ -1626,7 +1627,7 @@
           <p:cNvPr id="3" name="Text Placeholder 2">
             <a:extLst>
               <a:ext uri="{FF2B5EF4-FFF2-40B4-BE49-F238E27FC236}">
-                <a16:creationId xmlns:a16="http://schemas.microsoft.com/office/drawing/2014/main" id="{21D4ECB2-FA5F-43E3-A90A-C96BA1EE433A}"/>
+                <a16:creationId xmlns:a16="http://schemas.microsoft.com/office/drawing/2014/main" xmlns="" id="{21D4ECB2-FA5F-43E3-A90A-C96BA1EE433A}"/>
               </a:ext>
             </a:extLst>
           </p:cNvPr>
@@ -1697,7 +1698,7 @@
           <p:cNvPr id="4" name="Content Placeholder 3">
             <a:extLst>
               <a:ext uri="{FF2B5EF4-FFF2-40B4-BE49-F238E27FC236}">
-                <a16:creationId xmlns:a16="http://schemas.microsoft.com/office/drawing/2014/main" id="{A9598B0A-7367-45CB-B62B-454755CF7EC7}"/>
+                <a16:creationId xmlns:a16="http://schemas.microsoft.com/office/drawing/2014/main" xmlns="" id="{A9598B0A-7367-45CB-B62B-454755CF7EC7}"/>
               </a:ext>
             </a:extLst>
           </p:cNvPr>
@@ -1759,7 +1760,7 @@
           <p:cNvPr id="5" name="Text Placeholder 4">
             <a:extLst>
               <a:ext uri="{FF2B5EF4-FFF2-40B4-BE49-F238E27FC236}">
-                <a16:creationId xmlns:a16="http://schemas.microsoft.com/office/drawing/2014/main" id="{F0F16B00-F7DC-4052-907F-7A871D913DA4}"/>
+                <a16:creationId xmlns:a16="http://schemas.microsoft.com/office/drawing/2014/main" xmlns="" id="{F0F16B00-F7DC-4052-907F-7A871D913DA4}"/>
               </a:ext>
             </a:extLst>
           </p:cNvPr>
@@ -1830,7 +1831,7 @@
           <p:cNvPr id="6" name="Content Placeholder 5">
             <a:extLst>
               <a:ext uri="{FF2B5EF4-FFF2-40B4-BE49-F238E27FC236}">
-                <a16:creationId xmlns:a16="http://schemas.microsoft.com/office/drawing/2014/main" id="{AA6501B5-780A-4632-8B25-EA7BF60A91CA}"/>
+                <a16:creationId xmlns:a16="http://schemas.microsoft.com/office/drawing/2014/main" xmlns="" id="{AA6501B5-780A-4632-8B25-EA7BF60A91CA}"/>
               </a:ext>
             </a:extLst>
           </p:cNvPr>
@@ -1892,7 +1893,7 @@
           <p:cNvPr id="7" name="Date Placeholder 6">
             <a:extLst>
               <a:ext uri="{FF2B5EF4-FFF2-40B4-BE49-F238E27FC236}">
-                <a16:creationId xmlns:a16="http://schemas.microsoft.com/office/drawing/2014/main" id="{D26D79CF-B208-41F8-A2BD-B4A937FFEF1B}"/>
+                <a16:creationId xmlns:a16="http://schemas.microsoft.com/office/drawing/2014/main" xmlns="" id="{D26D79CF-B208-41F8-A2BD-B4A937FFEF1B}"/>
               </a:ext>
             </a:extLst>
           </p:cNvPr>
@@ -1910,7 +1911,7 @@
           <a:p>
             <a:fld id="{3DDB7FF3-D096-4152-9B8E-6904A717DEF4}" type="datetimeFigureOut">
               <a:rPr lang="en-US" smtClean="0"/>
-              <a:t>3/11/2022</a:t>
+              <a:t>5/11/2022</a:t>
             </a:fld>
             <a:endParaRPr lang="en-US" dirty="0"/>
           </a:p>
@@ -1921,7 +1922,7 @@
           <p:cNvPr id="8" name="Footer Placeholder 7">
             <a:extLst>
               <a:ext uri="{FF2B5EF4-FFF2-40B4-BE49-F238E27FC236}">
-                <a16:creationId xmlns:a16="http://schemas.microsoft.com/office/drawing/2014/main" id="{90CA7B11-5D62-4328-AB2B-9057ECD01074}"/>
+                <a16:creationId xmlns:a16="http://schemas.microsoft.com/office/drawing/2014/main" xmlns="" id="{90CA7B11-5D62-4328-AB2B-9057ECD01074}"/>
               </a:ext>
             </a:extLst>
           </p:cNvPr>
@@ -1946,7 +1947,7 @@
           <p:cNvPr id="9" name="Slide Number Placeholder 8">
             <a:extLst>
               <a:ext uri="{FF2B5EF4-FFF2-40B4-BE49-F238E27FC236}">
-                <a16:creationId xmlns:a16="http://schemas.microsoft.com/office/drawing/2014/main" id="{6262897B-E2AC-4124-ACBB-1EEB99CEBD2F}"/>
+                <a16:creationId xmlns:a16="http://schemas.microsoft.com/office/drawing/2014/main" xmlns="" id="{6262897B-E2AC-4124-ACBB-1EEB99CEBD2F}"/>
               </a:ext>
             </a:extLst>
           </p:cNvPr>
@@ -2005,7 +2006,7 @@
           <p:cNvPr id="2" name="Title 1">
             <a:extLst>
               <a:ext uri="{FF2B5EF4-FFF2-40B4-BE49-F238E27FC236}">
-                <a16:creationId xmlns:a16="http://schemas.microsoft.com/office/drawing/2014/main" id="{B06DAABB-5932-4E8D-B0BA-CEEFA6D17843}"/>
+                <a16:creationId xmlns:a16="http://schemas.microsoft.com/office/drawing/2014/main" xmlns="" id="{B06DAABB-5932-4E8D-B0BA-CEEFA6D17843}"/>
               </a:ext>
             </a:extLst>
           </p:cNvPr>
@@ -2033,7 +2034,7 @@
           <p:cNvPr id="3" name="Date Placeholder 2">
             <a:extLst>
               <a:ext uri="{FF2B5EF4-FFF2-40B4-BE49-F238E27FC236}">
-                <a16:creationId xmlns:a16="http://schemas.microsoft.com/office/drawing/2014/main" id="{F24E88CB-5CB7-41AE-B4B7-049B145E1E48}"/>
+                <a16:creationId xmlns:a16="http://schemas.microsoft.com/office/drawing/2014/main" xmlns="" id="{F24E88CB-5CB7-41AE-B4B7-049B145E1E48}"/>
               </a:ext>
             </a:extLst>
           </p:cNvPr>
@@ -2051,7 +2052,7 @@
           <a:p>
             <a:fld id="{3DDB7FF3-D096-4152-9B8E-6904A717DEF4}" type="datetimeFigureOut">
               <a:rPr lang="en-US" smtClean="0"/>
-              <a:t>3/11/2022</a:t>
+              <a:t>5/11/2022</a:t>
             </a:fld>
             <a:endParaRPr lang="en-US" dirty="0"/>
           </a:p>
@@ -2062,7 +2063,7 @@
           <p:cNvPr id="4" name="Footer Placeholder 3">
             <a:extLst>
               <a:ext uri="{FF2B5EF4-FFF2-40B4-BE49-F238E27FC236}">
-                <a16:creationId xmlns:a16="http://schemas.microsoft.com/office/drawing/2014/main" id="{8796976F-1640-4617-BE0B-B1846C2442F7}"/>
+                <a16:creationId xmlns:a16="http://schemas.microsoft.com/office/drawing/2014/main" xmlns="" id="{8796976F-1640-4617-BE0B-B1846C2442F7}"/>
               </a:ext>
             </a:extLst>
           </p:cNvPr>
@@ -2087,7 +2088,7 @@
           <p:cNvPr id="5" name="Slide Number Placeholder 4">
             <a:extLst>
               <a:ext uri="{FF2B5EF4-FFF2-40B4-BE49-F238E27FC236}">
-                <a16:creationId xmlns:a16="http://schemas.microsoft.com/office/drawing/2014/main" id="{75CF9999-4580-4034-834F-CAD12AA81952}"/>
+                <a16:creationId xmlns:a16="http://schemas.microsoft.com/office/drawing/2014/main" xmlns="" id="{75CF9999-4580-4034-834F-CAD12AA81952}"/>
               </a:ext>
             </a:extLst>
           </p:cNvPr>
@@ -2146,7 +2147,7 @@
           <p:cNvPr id="2" name="Date Placeholder 1">
             <a:extLst>
               <a:ext uri="{FF2B5EF4-FFF2-40B4-BE49-F238E27FC236}">
-                <a16:creationId xmlns:a16="http://schemas.microsoft.com/office/drawing/2014/main" id="{0F497C2B-324C-4ACF-9BFC-B9FF9B6A9E7E}"/>
+                <a16:creationId xmlns:a16="http://schemas.microsoft.com/office/drawing/2014/main" xmlns="" id="{0F497C2B-324C-4ACF-9BFC-B9FF9B6A9E7E}"/>
               </a:ext>
             </a:extLst>
           </p:cNvPr>
@@ -2164,7 +2165,7 @@
           <a:p>
             <a:fld id="{3DDB7FF3-D096-4152-9B8E-6904A717DEF4}" type="datetimeFigureOut">
               <a:rPr lang="en-US" smtClean="0"/>
-              <a:t>3/11/2022</a:t>
+              <a:t>5/11/2022</a:t>
             </a:fld>
             <a:endParaRPr lang="en-US" dirty="0"/>
           </a:p>
@@ -2175,7 +2176,7 @@
           <p:cNvPr id="3" name="Footer Placeholder 2">
             <a:extLst>
               <a:ext uri="{FF2B5EF4-FFF2-40B4-BE49-F238E27FC236}">
-                <a16:creationId xmlns:a16="http://schemas.microsoft.com/office/drawing/2014/main" id="{0C08E28F-FB31-4566-88D5-024779D4DD49}"/>
+                <a16:creationId xmlns:a16="http://schemas.microsoft.com/office/drawing/2014/main" xmlns="" id="{0C08E28F-FB31-4566-88D5-024779D4DD49}"/>
               </a:ext>
             </a:extLst>
           </p:cNvPr>
@@ -2200,7 +2201,7 @@
           <p:cNvPr id="4" name="Slide Number Placeholder 3">
             <a:extLst>
               <a:ext uri="{FF2B5EF4-FFF2-40B4-BE49-F238E27FC236}">
-                <a16:creationId xmlns:a16="http://schemas.microsoft.com/office/drawing/2014/main" id="{65E4F3B9-674E-435C-8A57-9F3FCBBA299A}"/>
+                <a16:creationId xmlns:a16="http://schemas.microsoft.com/office/drawing/2014/main" xmlns="" id="{65E4F3B9-674E-435C-8A57-9F3FCBBA299A}"/>
               </a:ext>
             </a:extLst>
           </p:cNvPr>
@@ -2259,7 +2260,7 @@
           <p:cNvPr id="2" name="Title 1">
             <a:extLst>
               <a:ext uri="{FF2B5EF4-FFF2-40B4-BE49-F238E27FC236}">
-                <a16:creationId xmlns:a16="http://schemas.microsoft.com/office/drawing/2014/main" id="{36A9C079-A8A7-4D81-BBBF-2193B4E9F422}"/>
+                <a16:creationId xmlns:a16="http://schemas.microsoft.com/office/drawing/2014/main" xmlns="" id="{36A9C079-A8A7-4D81-BBBF-2193B4E9F422}"/>
               </a:ext>
             </a:extLst>
           </p:cNvPr>
@@ -2296,7 +2297,7 @@
           <p:cNvPr id="3" name="Content Placeholder 2">
             <a:extLst>
               <a:ext uri="{FF2B5EF4-FFF2-40B4-BE49-F238E27FC236}">
-                <a16:creationId xmlns:a16="http://schemas.microsoft.com/office/drawing/2014/main" id="{9E1D84BD-0E09-4644-B734-FDB33E3E3B1E}"/>
+                <a16:creationId xmlns:a16="http://schemas.microsoft.com/office/drawing/2014/main" xmlns="" id="{9E1D84BD-0E09-4644-B734-FDB33E3E3B1E}"/>
               </a:ext>
             </a:extLst>
           </p:cNvPr>
@@ -2386,7 +2387,7 @@
           <p:cNvPr id="4" name="Text Placeholder 3">
             <a:extLst>
               <a:ext uri="{FF2B5EF4-FFF2-40B4-BE49-F238E27FC236}">
-                <a16:creationId xmlns:a16="http://schemas.microsoft.com/office/drawing/2014/main" id="{B77BFED1-0C5F-4C81-BB79-4E6FFCCC1055}"/>
+                <a16:creationId xmlns:a16="http://schemas.microsoft.com/office/drawing/2014/main" xmlns="" id="{B77BFED1-0C5F-4C81-BB79-4E6FFCCC1055}"/>
               </a:ext>
             </a:extLst>
           </p:cNvPr>
@@ -2457,7 +2458,7 @@
           <p:cNvPr id="5" name="Date Placeholder 4">
             <a:extLst>
               <a:ext uri="{FF2B5EF4-FFF2-40B4-BE49-F238E27FC236}">
-                <a16:creationId xmlns:a16="http://schemas.microsoft.com/office/drawing/2014/main" id="{CBD236B3-1526-424A-A1AB-D51038C875CE}"/>
+                <a16:creationId xmlns:a16="http://schemas.microsoft.com/office/drawing/2014/main" xmlns="" id="{CBD236B3-1526-424A-A1AB-D51038C875CE}"/>
               </a:ext>
             </a:extLst>
           </p:cNvPr>
@@ -2475,7 +2476,7 @@
           <a:p>
             <a:fld id="{3DDB7FF3-D096-4152-9B8E-6904A717DEF4}" type="datetimeFigureOut">
               <a:rPr lang="en-US" smtClean="0"/>
-              <a:t>3/11/2022</a:t>
+              <a:t>5/11/2022</a:t>
             </a:fld>
             <a:endParaRPr lang="en-US" dirty="0"/>
           </a:p>
@@ -2486,7 +2487,7 @@
           <p:cNvPr id="6" name="Footer Placeholder 5">
             <a:extLst>
               <a:ext uri="{FF2B5EF4-FFF2-40B4-BE49-F238E27FC236}">
-                <a16:creationId xmlns:a16="http://schemas.microsoft.com/office/drawing/2014/main" id="{30010AF0-1760-4245-B6DA-EF396EAD79E9}"/>
+                <a16:creationId xmlns:a16="http://schemas.microsoft.com/office/drawing/2014/main" xmlns="" id="{30010AF0-1760-4245-B6DA-EF396EAD79E9}"/>
               </a:ext>
             </a:extLst>
           </p:cNvPr>
@@ -2511,7 +2512,7 @@
           <p:cNvPr id="7" name="Slide Number Placeholder 6">
             <a:extLst>
               <a:ext uri="{FF2B5EF4-FFF2-40B4-BE49-F238E27FC236}">
-                <a16:creationId xmlns:a16="http://schemas.microsoft.com/office/drawing/2014/main" id="{B139E258-D348-4EBF-B33C-241CBC58FA01}"/>
+                <a16:creationId xmlns:a16="http://schemas.microsoft.com/office/drawing/2014/main" xmlns="" id="{B139E258-D348-4EBF-B33C-241CBC58FA01}"/>
               </a:ext>
             </a:extLst>
           </p:cNvPr>
@@ -2570,7 +2571,7 @@
           <p:cNvPr id="2" name="Title 1">
             <a:extLst>
               <a:ext uri="{FF2B5EF4-FFF2-40B4-BE49-F238E27FC236}">
-                <a16:creationId xmlns:a16="http://schemas.microsoft.com/office/drawing/2014/main" id="{3D604FA4-9DC0-4BA7-98D6-D296AF4A8367}"/>
+                <a16:creationId xmlns:a16="http://schemas.microsoft.com/office/drawing/2014/main" xmlns="" id="{3D604FA4-9DC0-4BA7-98D6-D296AF4A8367}"/>
               </a:ext>
             </a:extLst>
           </p:cNvPr>
@@ -2607,7 +2608,7 @@
           <p:cNvPr id="3" name="Picture Placeholder 2">
             <a:extLst>
               <a:ext uri="{FF2B5EF4-FFF2-40B4-BE49-F238E27FC236}">
-                <a16:creationId xmlns:a16="http://schemas.microsoft.com/office/drawing/2014/main" id="{E0099673-D90F-4178-8D8D-44E809F7B84A}"/>
+                <a16:creationId xmlns:a16="http://schemas.microsoft.com/office/drawing/2014/main" xmlns="" id="{E0099673-D90F-4178-8D8D-44E809F7B84A}"/>
               </a:ext>
             </a:extLst>
           </p:cNvPr>
@@ -2674,7 +2675,7 @@
           <p:cNvPr id="4" name="Text Placeholder 3">
             <a:extLst>
               <a:ext uri="{FF2B5EF4-FFF2-40B4-BE49-F238E27FC236}">
-                <a16:creationId xmlns:a16="http://schemas.microsoft.com/office/drawing/2014/main" id="{34FD3787-61E8-4004-A7C3-568F55D92F2D}"/>
+                <a16:creationId xmlns:a16="http://schemas.microsoft.com/office/drawing/2014/main" xmlns="" id="{34FD3787-61E8-4004-A7C3-568F55D92F2D}"/>
               </a:ext>
             </a:extLst>
           </p:cNvPr>
@@ -2745,7 +2746,7 @@
           <p:cNvPr id="5" name="Date Placeholder 4">
             <a:extLst>
               <a:ext uri="{FF2B5EF4-FFF2-40B4-BE49-F238E27FC236}">
-                <a16:creationId xmlns:a16="http://schemas.microsoft.com/office/drawing/2014/main" id="{C009976D-8C4C-4372-AAB1-03EBA4DA9A25}"/>
+                <a16:creationId xmlns:a16="http://schemas.microsoft.com/office/drawing/2014/main" xmlns="" id="{C009976D-8C4C-4372-AAB1-03EBA4DA9A25}"/>
               </a:ext>
             </a:extLst>
           </p:cNvPr>
@@ -2763,7 +2764,7 @@
           <a:p>
             <a:fld id="{3DDB7FF3-D096-4152-9B8E-6904A717DEF4}" type="datetimeFigureOut">
               <a:rPr lang="en-US" smtClean="0"/>
-              <a:t>3/11/2022</a:t>
+              <a:t>5/11/2022</a:t>
             </a:fld>
             <a:endParaRPr lang="en-US" dirty="0"/>
           </a:p>
@@ -2774,7 +2775,7 @@
           <p:cNvPr id="6" name="Footer Placeholder 5">
             <a:extLst>
               <a:ext uri="{FF2B5EF4-FFF2-40B4-BE49-F238E27FC236}">
-                <a16:creationId xmlns:a16="http://schemas.microsoft.com/office/drawing/2014/main" id="{E7A32BAF-8733-42A9-96EC-A880D8F7A2D8}"/>
+                <a16:creationId xmlns:a16="http://schemas.microsoft.com/office/drawing/2014/main" xmlns="" id="{E7A32BAF-8733-42A9-96EC-A880D8F7A2D8}"/>
               </a:ext>
             </a:extLst>
           </p:cNvPr>
@@ -2799,7 +2800,7 @@
           <p:cNvPr id="7" name="Slide Number Placeholder 6">
             <a:extLst>
               <a:ext uri="{FF2B5EF4-FFF2-40B4-BE49-F238E27FC236}">
-                <a16:creationId xmlns:a16="http://schemas.microsoft.com/office/drawing/2014/main" id="{1B26D12B-FFF8-4E07-AC56-612B1FFAB826}"/>
+                <a16:creationId xmlns:a16="http://schemas.microsoft.com/office/drawing/2014/main" xmlns="" id="{1B26D12B-FFF8-4E07-AC56-612B1FFAB826}"/>
               </a:ext>
             </a:extLst>
           </p:cNvPr>
@@ -2863,7 +2864,7 @@
           <p:cNvPr id="2" name="Title Placeholder 1">
             <a:extLst>
               <a:ext uri="{FF2B5EF4-FFF2-40B4-BE49-F238E27FC236}">
-                <a16:creationId xmlns:a16="http://schemas.microsoft.com/office/drawing/2014/main" id="{907F3440-41B5-40C0-B0D6-B2E046E39DE5}"/>
+                <a16:creationId xmlns:a16="http://schemas.microsoft.com/office/drawing/2014/main" xmlns="" id="{907F3440-41B5-40C0-B0D6-B2E046E39DE5}"/>
               </a:ext>
             </a:extLst>
           </p:cNvPr>
@@ -2901,7 +2902,7 @@
           <p:cNvPr id="3" name="Text Placeholder 2">
             <a:extLst>
               <a:ext uri="{FF2B5EF4-FFF2-40B4-BE49-F238E27FC236}">
-                <a16:creationId xmlns:a16="http://schemas.microsoft.com/office/drawing/2014/main" id="{67658EEF-F654-4FB0-9D65-D40426BB3EEE}"/>
+                <a16:creationId xmlns:a16="http://schemas.microsoft.com/office/drawing/2014/main" xmlns="" id="{67658EEF-F654-4FB0-9D65-D40426BB3EEE}"/>
               </a:ext>
             </a:extLst>
           </p:cNvPr>
@@ -2968,7 +2969,7 @@
           <p:cNvPr id="4" name="Date Placeholder 3">
             <a:extLst>
               <a:ext uri="{FF2B5EF4-FFF2-40B4-BE49-F238E27FC236}">
-                <a16:creationId xmlns:a16="http://schemas.microsoft.com/office/drawing/2014/main" id="{C606EB77-2FBD-4E86-91EE-7F02338AD70A}"/>
+                <a16:creationId xmlns:a16="http://schemas.microsoft.com/office/drawing/2014/main" xmlns="" id="{C606EB77-2FBD-4E86-91EE-7F02338AD70A}"/>
               </a:ext>
             </a:extLst>
           </p:cNvPr>
@@ -3004,7 +3005,7 @@
           <a:p>
             <a:fld id="{3DDB7FF3-D096-4152-9B8E-6904A717DEF4}" type="datetimeFigureOut">
               <a:rPr lang="en-US" smtClean="0"/>
-              <a:t>3/11/2022</a:t>
+              <a:t>5/11/2022</a:t>
             </a:fld>
             <a:endParaRPr lang="en-US" dirty="0"/>
           </a:p>
@@ -3015,7 +3016,7 @@
           <p:cNvPr id="5" name="Footer Placeholder 4">
             <a:extLst>
               <a:ext uri="{FF2B5EF4-FFF2-40B4-BE49-F238E27FC236}">
-                <a16:creationId xmlns:a16="http://schemas.microsoft.com/office/drawing/2014/main" id="{735B76BD-CDAC-4B1E-9A7D-D7127CEA56A4}"/>
+                <a16:creationId xmlns:a16="http://schemas.microsoft.com/office/drawing/2014/main" xmlns="" id="{735B76BD-CDAC-4B1E-9A7D-D7127CEA56A4}"/>
               </a:ext>
             </a:extLst>
           </p:cNvPr>
@@ -3058,7 +3059,7 @@
           <p:cNvPr id="6" name="Slide Number Placeholder 5">
             <a:extLst>
               <a:ext uri="{FF2B5EF4-FFF2-40B4-BE49-F238E27FC236}">
-                <a16:creationId xmlns:a16="http://schemas.microsoft.com/office/drawing/2014/main" id="{27691491-72A3-494D-AF80-96ED1DD80C95}"/>
+                <a16:creationId xmlns:a16="http://schemas.microsoft.com/office/drawing/2014/main" xmlns="" id="{27691491-72A3-494D-AF80-96ED1DD80C95}"/>
               </a:ext>
             </a:extLst>
           </p:cNvPr>
@@ -3464,7 +3465,7 @@
           <p:cNvPr id="2" name="Title 1">
             <a:extLst>
               <a:ext uri="{FF2B5EF4-FFF2-40B4-BE49-F238E27FC236}">
-                <a16:creationId xmlns:a16="http://schemas.microsoft.com/office/drawing/2014/main" id="{D4E54C08-262C-4FA4-BE02-658A898D7944}"/>
+                <a16:creationId xmlns:a16="http://schemas.microsoft.com/office/drawing/2014/main" xmlns="" id="{D4E54C08-262C-4FA4-BE02-658A898D7944}"/>
               </a:ext>
             </a:extLst>
           </p:cNvPr>
@@ -3555,7 +3556,7 @@
           <p:cNvPr id="13" name="Title 1">
             <a:extLst>
               <a:ext uri="{FF2B5EF4-FFF2-40B4-BE49-F238E27FC236}">
-                <a16:creationId xmlns:a16="http://schemas.microsoft.com/office/drawing/2014/main" id="{E90FFF88-3815-43DC-BA17-DD6C4A3DD2ED}"/>
+                <a16:creationId xmlns:a16="http://schemas.microsoft.com/office/drawing/2014/main" xmlns="" id="{E90FFF88-3815-43DC-BA17-DD6C4A3DD2ED}"/>
               </a:ext>
             </a:extLst>
           </p:cNvPr>
@@ -3723,7 +3724,7 @@
           <p:cNvPr id="3" name="Content Placeholder 2">
             <a:extLst>
               <a:ext uri="{FF2B5EF4-FFF2-40B4-BE49-F238E27FC236}">
-                <a16:creationId xmlns:a16="http://schemas.microsoft.com/office/drawing/2014/main" id="{4AB6F376-452B-4B43-89C0-5E7B61E7991D}"/>
+                <a16:creationId xmlns:a16="http://schemas.microsoft.com/office/drawing/2014/main" xmlns="" id="{4AB6F376-452B-4B43-89C0-5E7B61E7991D}"/>
               </a:ext>
             </a:extLst>
           </p:cNvPr>
@@ -3826,7 +3827,7 @@
           <p:cNvPr id="4" name="Rectangle 3">
             <a:extLst>
               <a:ext uri="{FF2B5EF4-FFF2-40B4-BE49-F238E27FC236}">
-                <a16:creationId xmlns:a16="http://schemas.microsoft.com/office/drawing/2014/main" id="{85E8ACE6-ACEA-47BB-821D-A37EE505DF61}"/>
+                <a16:creationId xmlns:a16="http://schemas.microsoft.com/office/drawing/2014/main" xmlns="" id="{85E8ACE6-ACEA-47BB-821D-A37EE505DF61}"/>
               </a:ext>
             </a:extLst>
           </p:cNvPr>
@@ -4150,7 +4151,7 @@
           <p:cNvPr id="3" name="Content Placeholder 2">
             <a:extLst>
               <a:ext uri="{FF2B5EF4-FFF2-40B4-BE49-F238E27FC236}">
-                <a16:creationId xmlns:a16="http://schemas.microsoft.com/office/drawing/2014/main" id="{4AB6F376-452B-4B43-89C0-5E7B61E7991D}"/>
+                <a16:creationId xmlns:a16="http://schemas.microsoft.com/office/drawing/2014/main" xmlns="" id="{4AB6F376-452B-4B43-89C0-5E7B61E7991D}"/>
               </a:ext>
             </a:extLst>
           </p:cNvPr>
@@ -4208,13 +4209,8 @@
             </a:pPr>
             <a:r>
               <a:rPr lang="ru-RU" dirty="0" smtClean="0"/>
-              <a:t>работеща </a:t>
-            </a:r>
-            <a:r>
-              <a:rPr lang="ru-RU" dirty="0" smtClean="0"/>
-              <a:t>схема</a:t>
-            </a:r>
-            <a:endParaRPr lang="ru-RU" dirty="0" smtClean="0"/>
+              <a:t>работеща схема</a:t>
+            </a:r>
           </a:p>
           <a:p>
             <a:pPr>
@@ -4286,7 +4282,6 @@
               <a:rPr lang="ru-RU" b="1" i="1" dirty="0" smtClean="0"/>
               <a:t>отначало</a:t>
             </a:r>
-            <a:endParaRPr lang="ru-RU" b="1" i="1" dirty="0" smtClean="0"/>
           </a:p>
           <a:p>
             <a:pPr>
@@ -4315,7 +4310,6 @@
               <a:rPr lang="ru-RU" b="1" i="1" dirty="0" smtClean="0"/>
               <a:t>Проверка</a:t>
             </a:r>
-            <a:endParaRPr lang="ru-RU" b="1" i="1" dirty="0" smtClean="0"/>
           </a:p>
           <a:p>
             <a:pPr>
@@ -4332,7 +4326,7 @@
           <p:cNvPr id="4" name="Rectangle 3">
             <a:extLst>
               <a:ext uri="{FF2B5EF4-FFF2-40B4-BE49-F238E27FC236}">
-                <a16:creationId xmlns:a16="http://schemas.microsoft.com/office/drawing/2014/main" id="{85E8ACE6-ACEA-47BB-821D-A37EE505DF61}"/>
+                <a16:creationId xmlns:a16="http://schemas.microsoft.com/office/drawing/2014/main" xmlns="" id="{85E8ACE6-ACEA-47BB-821D-A37EE505DF61}"/>
               </a:ext>
             </a:extLst>
           </p:cNvPr>
@@ -4583,6 +4577,416 @@
           <a:chExt cx="0" cy="0"/>
         </a:xfrm>
       </p:grpSpPr>
+      <p:sp>
+        <p:nvSpPr>
+          <p:cNvPr id="3" name="Content Placeholder 2">
+            <a:extLst>
+              <a:ext uri="{FF2B5EF4-FFF2-40B4-BE49-F238E27FC236}">
+                <a16:creationId xmlns:a16="http://schemas.microsoft.com/office/drawing/2014/main" xmlns="" id="{4AB6F376-452B-4B43-89C0-5E7B61E7991D}"/>
+              </a:ext>
+            </a:extLst>
+          </p:cNvPr>
+          <p:cNvSpPr>
+            <a:spLocks noGrp="1"/>
+          </p:cNvSpPr>
+          <p:nvPr>
+            <p:ph idx="1"/>
+          </p:nvPr>
+        </p:nvSpPr>
+        <p:spPr>
+          <a:xfrm>
+            <a:off x="109537" y="1995635"/>
+            <a:ext cx="10515600" cy="4351338"/>
+          </a:xfrm>
+        </p:spPr>
+        <p:txBody>
+          <a:bodyPr>
+            <a:normAutofit/>
+          </a:bodyPr>
+          <a:lstStyle/>
+          <a:p>
+            <a:pPr>
+              <a:buClr>
+                <a:srgbClr val="002060"/>
+              </a:buClr>
+            </a:pPr>
+            <a:r>
+              <a:rPr lang="bg-BG" dirty="0" smtClean="0"/>
+              <a:t>Упражнения за напреднали</a:t>
+            </a:r>
+            <a:endParaRPr lang="ru-RU" dirty="0" smtClean="0"/>
+          </a:p>
+          <a:p>
+            <a:pPr>
+              <a:buClr>
+                <a:srgbClr val="002060"/>
+              </a:buClr>
+            </a:pPr>
+            <a:r>
+              <a:rPr lang="bg-BG" dirty="0" smtClean="0"/>
+              <a:t>Потребителят трябва да пресметне </a:t>
+            </a:r>
+          </a:p>
+          <a:p>
+            <a:pPr marL="0" indent="0">
+              <a:buClr>
+                <a:srgbClr val="002060"/>
+              </a:buClr>
+              <a:buNone/>
+            </a:pPr>
+            <a:r>
+              <a:rPr lang="bg-BG" dirty="0" smtClean="0"/>
+              <a:t>конктретна стойност на елемент и да</a:t>
+            </a:r>
+          </a:p>
+          <a:p>
+            <a:pPr marL="0" indent="0">
+              <a:buClr>
+                <a:srgbClr val="002060"/>
+              </a:buClr>
+              <a:buNone/>
+            </a:pPr>
+            <a:r>
+              <a:rPr lang="bg-BG" dirty="0" smtClean="0"/>
+              <a:t>я въведе</a:t>
+            </a:r>
+            <a:endParaRPr lang="ru-RU" dirty="0" smtClean="0"/>
+          </a:p>
+          <a:p>
+            <a:pPr>
+              <a:buClr>
+                <a:srgbClr val="002060"/>
+              </a:buClr>
+            </a:pPr>
+            <a:r>
+              <a:rPr lang="ru-RU" dirty="0"/>
+              <a:t>Ако </a:t>
+            </a:r>
+            <a:r>
+              <a:rPr lang="ru-RU" dirty="0" smtClean="0"/>
+              <a:t>сбъркаме ниво, избираме </a:t>
+            </a:r>
+          </a:p>
+          <a:p>
+            <a:pPr marL="0" indent="0">
+              <a:buClr>
+                <a:srgbClr val="002060"/>
+              </a:buClr>
+              <a:buNone/>
+            </a:pPr>
+            <a:r>
+              <a:rPr lang="ru-RU" dirty="0" smtClean="0"/>
+              <a:t>бутона </a:t>
+            </a:r>
+            <a:r>
+              <a:rPr lang="ru-RU" b="1" i="1" dirty="0" smtClean="0"/>
+              <a:t>Започнете </a:t>
+            </a:r>
+            <a:r>
+              <a:rPr lang="ru-RU" b="1" i="1" dirty="0"/>
+              <a:t>нивото </a:t>
+            </a:r>
+            <a:r>
+              <a:rPr lang="ru-RU" b="1" i="1" dirty="0" smtClean="0"/>
+              <a:t>отначало</a:t>
+            </a:r>
+          </a:p>
+          <a:p>
+            <a:pPr>
+              <a:buClr>
+                <a:srgbClr val="002060"/>
+              </a:buClr>
+            </a:pPr>
+            <a:r>
+              <a:rPr lang="ru-RU" dirty="0" smtClean="0"/>
+              <a:t>Ако сме готови, избираме</a:t>
+            </a:r>
+            <a:endParaRPr lang="en-US" dirty="0" smtClean="0"/>
+          </a:p>
+          <a:p>
+            <a:pPr marL="0" indent="0">
+              <a:buClr>
+                <a:srgbClr val="002060"/>
+              </a:buClr>
+              <a:buNone/>
+            </a:pPr>
+            <a:r>
+              <a:rPr lang="ru-RU" dirty="0" smtClean="0"/>
+              <a:t>бутон </a:t>
+            </a:r>
+            <a:r>
+              <a:rPr lang="ru-RU" b="1" i="1" dirty="0" smtClean="0"/>
+              <a:t>Проверка</a:t>
+            </a:r>
+          </a:p>
+          <a:p>
+            <a:pPr>
+              <a:buClr>
+                <a:srgbClr val="002060"/>
+              </a:buClr>
+            </a:pPr>
+            <a:endParaRPr lang="en-US" dirty="0"/>
+          </a:p>
+        </p:txBody>
+      </p:sp>
+      <p:sp>
+        <p:nvSpPr>
+          <p:cNvPr id="4" name="Rectangle 3">
+            <a:extLst>
+              <a:ext uri="{FF2B5EF4-FFF2-40B4-BE49-F238E27FC236}">
+                <a16:creationId xmlns:a16="http://schemas.microsoft.com/office/drawing/2014/main" xmlns="" id="{85E8ACE6-ACEA-47BB-821D-A37EE505DF61}"/>
+              </a:ext>
+            </a:extLst>
+          </p:cNvPr>
+          <p:cNvSpPr/>
+          <p:nvPr/>
+        </p:nvSpPr>
+        <p:spPr>
+          <a:xfrm>
+            <a:off x="0" y="207963"/>
+            <a:ext cx="219075" cy="1314450"/>
+          </a:xfrm>
+          <a:prstGeom prst="rect">
+            <a:avLst/>
+          </a:prstGeom>
+          <a:solidFill>
+            <a:srgbClr val="82C1B8"/>
+          </a:solidFill>
+          <a:ln>
+            <a:noFill/>
+          </a:ln>
+        </p:spPr>
+        <p:style>
+          <a:lnRef idx="2">
+            <a:schemeClr val="accent1">
+              <a:shade val="50000"/>
+            </a:schemeClr>
+          </a:lnRef>
+          <a:fillRef idx="1">
+            <a:schemeClr val="accent1"/>
+          </a:fillRef>
+          <a:effectRef idx="0">
+            <a:schemeClr val="accent1"/>
+          </a:effectRef>
+          <a:fontRef idx="minor">
+            <a:schemeClr val="lt1"/>
+          </a:fontRef>
+        </p:style>
+        <p:txBody>
+          <a:bodyPr rtlCol="0" anchor="ctr"/>
+          <a:lstStyle/>
+          <a:p>
+            <a:pPr algn="ctr"/>
+            <a:endParaRPr lang="en-US" dirty="0"/>
+          </a:p>
+        </p:txBody>
+      </p:sp>
+      <p:grpSp>
+        <p:nvGrpSpPr>
+          <p:cNvPr id="11" name="Group 10"/>
+          <p:cNvGrpSpPr/>
+          <p:nvPr/>
+        </p:nvGrpSpPr>
+        <p:grpSpPr>
+          <a:xfrm>
+            <a:off x="0" y="54338"/>
+            <a:ext cx="12192000" cy="1621699"/>
+            <a:chOff x="0" y="2218136"/>
+            <a:chExt cx="12192000" cy="1621699"/>
+          </a:xfrm>
+        </p:grpSpPr>
+        <p:pic>
+          <p:nvPicPr>
+            <p:cNvPr id="12" name="Picture 11"/>
+            <p:cNvPicPr>
+              <a:picLocks noChangeAspect="1"/>
+            </p:cNvPicPr>
+            <p:nvPr/>
+          </p:nvPicPr>
+          <p:blipFill rotWithShape="1">
+            <a:blip r:embed="rId2">
+              <a:extLst>
+                <a:ext uri="{28A0092B-C50C-407E-A947-70E740481C1C}">
+                  <a14:useLocalDpi xmlns:a14="http://schemas.microsoft.com/office/drawing/2010/main" val="0"/>
+                </a:ext>
+              </a:extLst>
+            </a:blip>
+            <a:srcRect t="29036" b="39535"/>
+            <a:stretch/>
+          </p:blipFill>
+          <p:spPr>
+            <a:xfrm>
+              <a:off x="0" y="2218136"/>
+              <a:ext cx="12192000" cy="1621699"/>
+            </a:xfrm>
+            <a:prstGeom prst="rect">
+              <a:avLst/>
+            </a:prstGeom>
+          </p:spPr>
+        </p:pic>
+        <p:sp>
+          <p:nvSpPr>
+            <p:cNvPr id="13" name="Rectangle 12"/>
+            <p:cNvSpPr/>
+            <p:nvPr/>
+          </p:nvSpPr>
+          <p:spPr>
+            <a:xfrm>
+              <a:off x="0" y="2218137"/>
+              <a:ext cx="12192000" cy="1621698"/>
+            </a:xfrm>
+            <a:prstGeom prst="rect">
+              <a:avLst/>
+            </a:prstGeom>
+            <a:gradFill flip="none" rotWithShape="1">
+              <a:gsLst>
+                <a:gs pos="0">
+                  <a:schemeClr val="bg1">
+                    <a:alpha val="0"/>
+                  </a:schemeClr>
+                </a:gs>
+                <a:gs pos="100000">
+                  <a:srgbClr val="044B92"/>
+                </a:gs>
+              </a:gsLst>
+              <a:lin ang="0" scaled="1"/>
+              <a:tileRect/>
+            </a:gradFill>
+            <a:effectLst>
+              <a:glow rad="127000">
+                <a:schemeClr val="accent1">
+                  <a:alpha val="14000"/>
+                </a:schemeClr>
+              </a:glow>
+            </a:effectLst>
+          </p:spPr>
+          <p:style>
+            <a:lnRef idx="2">
+              <a:schemeClr val="accent1">
+                <a:shade val="50000"/>
+              </a:schemeClr>
+            </a:lnRef>
+            <a:fillRef idx="1">
+              <a:schemeClr val="accent1"/>
+            </a:fillRef>
+            <a:effectRef idx="0">
+              <a:schemeClr val="accent1"/>
+            </a:effectRef>
+            <a:fontRef idx="minor">
+              <a:schemeClr val="lt1"/>
+            </a:fontRef>
+          </p:style>
+          <p:txBody>
+            <a:bodyPr rtlCol="0" anchor="ctr"/>
+            <a:lstStyle/>
+            <a:p>
+              <a:pPr algn="ctr"/>
+              <a:endParaRPr lang="en-US"/>
+            </a:p>
+          </p:txBody>
+        </p:sp>
+      </p:grpSp>
+      <p:sp>
+        <p:nvSpPr>
+          <p:cNvPr id="15" name="TextBox 14"/>
+          <p:cNvSpPr txBox="1"/>
+          <p:nvPr/>
+        </p:nvSpPr>
+        <p:spPr>
+          <a:xfrm>
+            <a:off x="1600200" y="511244"/>
+            <a:ext cx="7086600" cy="707886"/>
+          </a:xfrm>
+          <a:prstGeom prst="rect">
+            <a:avLst/>
+          </a:prstGeom>
+          <a:noFill/>
+        </p:spPr>
+        <p:txBody>
+          <a:bodyPr wrap="square" rtlCol="0">
+            <a:spAutoFit/>
+          </a:bodyPr>
+          <a:lstStyle/>
+          <a:p>
+            <a:r>
+              <a:rPr lang="bg-BG" sz="4000" dirty="0" smtClean="0">
+                <a:solidFill>
+                  <a:schemeClr val="bg1"/>
+                </a:solidFill>
+                <a:latin typeface="+mj-lt"/>
+              </a:rPr>
+              <a:t>Правила на играта</a:t>
+            </a:r>
+            <a:endParaRPr lang="bg-BG" sz="4000" dirty="0">
+              <a:solidFill>
+                <a:schemeClr val="bg1"/>
+              </a:solidFill>
+              <a:latin typeface="+mj-lt"/>
+            </a:endParaRPr>
+          </a:p>
+        </p:txBody>
+      </p:sp>
+      <p:pic>
+        <p:nvPicPr>
+          <p:cNvPr id="5" name="Picture 4"/>
+          <p:cNvPicPr>
+            <a:picLocks noChangeAspect="1"/>
+          </p:cNvPicPr>
+          <p:nvPr/>
+        </p:nvPicPr>
+        <p:blipFill>
+          <a:blip r:embed="rId3"/>
+          <a:stretch>
+            <a:fillRect/>
+          </a:stretch>
+        </p:blipFill>
+        <p:spPr>
+          <a:xfrm>
+            <a:off x="6396037" y="2178867"/>
+            <a:ext cx="5338763" cy="4168106"/>
+          </a:xfrm>
+          <a:prstGeom prst="rect">
+            <a:avLst/>
+          </a:prstGeom>
+        </p:spPr>
+      </p:pic>
+    </p:spTree>
+    <p:extLst>
+      <p:ext uri="{BB962C8B-B14F-4D97-AF65-F5344CB8AC3E}">
+        <p14:creationId xmlns:p14="http://schemas.microsoft.com/office/powerpoint/2010/main" val="4231807803"/>
+      </p:ext>
+    </p:extLst>
+  </p:cSld>
+  <p:clrMapOvr>
+    <a:masterClrMapping/>
+  </p:clrMapOvr>
+  <p:timing>
+    <p:tnLst>
+      <p:par>
+        <p:cTn id="1" dur="indefinite" restart="never" nodeType="tmRoot"/>
+      </p:par>
+    </p:tnLst>
+  </p:timing>
+</p:sld>
+</file>
+
+<file path=ppt/slides/slide5.xml><?xml version="1.0" encoding="utf-8"?>
+<p:sld xmlns:a="http://schemas.openxmlformats.org/drawingml/2006/main" xmlns:r="http://schemas.openxmlformats.org/officeDocument/2006/relationships" xmlns:p="http://schemas.openxmlformats.org/presentationml/2006/main">
+  <p:cSld>
+    <p:spTree>
+      <p:nvGrpSpPr>
+        <p:cNvPr id="1" name=""/>
+        <p:cNvGrpSpPr/>
+        <p:nvPr/>
+      </p:nvGrpSpPr>
+      <p:grpSpPr>
+        <a:xfrm>
+          <a:off x="0" y="0"/>
+          <a:ext cx="0" cy="0"/>
+          <a:chOff x="0" y="0"/>
+          <a:chExt cx="0" cy="0"/>
+        </a:xfrm>
+      </p:grpSpPr>
       <p:pic>
         <p:nvPicPr>
           <p:cNvPr id="3" name="Content Placeholder 2"/>
@@ -4937,7 +5341,7 @@
 </p:sld>
 </file>
 
-<file path=ppt/slides/slide5.xml><?xml version="1.0" encoding="utf-8"?>
+<file path=ppt/slides/slide6.xml><?xml version="1.0" encoding="utf-8"?>
 <p:sld xmlns:a="http://schemas.openxmlformats.org/drawingml/2006/main" xmlns:r="http://schemas.openxmlformats.org/officeDocument/2006/relationships" xmlns:p="http://schemas.openxmlformats.org/presentationml/2006/main">
   <p:cSld>
     <p:spTree>
@@ -5228,7 +5632,7 @@
 </p:sld>
 </file>
 
-<file path=ppt/slides/slide6.xml><?xml version="1.0" encoding="utf-8"?>
+<file path=ppt/slides/slide7.xml><?xml version="1.0" encoding="utf-8"?>
 <p:sld xmlns:a="http://schemas.openxmlformats.org/drawingml/2006/main" xmlns:r="http://schemas.openxmlformats.org/officeDocument/2006/relationships" xmlns:p="http://schemas.openxmlformats.org/presentationml/2006/main">
   <p:cSld>
     <p:spTree>
@@ -5513,7 +5917,7 @@
 </p:sld>
 </file>
 
-<file path=ppt/slides/slide7.xml><?xml version="1.0" encoding="utf-8"?>
+<file path=ppt/slides/slide8.xml><?xml version="1.0" encoding="utf-8"?>
 <p:sld xmlns:a="http://schemas.openxmlformats.org/drawingml/2006/main" xmlns:r="http://schemas.openxmlformats.org/officeDocument/2006/relationships" xmlns:p="http://schemas.openxmlformats.org/presentationml/2006/main">
   <p:cSld>
     <p:spTree>
